--- a/Герасимова_ВВ.pptx
+++ b/Герасимова_ВВ.pptx
@@ -281,7 +281,7 @@
       <p15:notesGuideLst xmlns:p15="http://schemas.microsoft.com/office/powerpoint/2012/main"/>
     </p:ext>
     <p:ext uri="http://customooxmlschemas.google.com/">
-      <go:slidesCustomData xmlns:go="http://customooxmlschemas.google.com/" xmlns:ahyp="http://schemas.microsoft.com/office/drawing/2018/hyperlinkcolor" xmlns:p15="http://schemas.microsoft.com/office/powerpoint/2012/main" xmlns:p14="http://schemas.microsoft.com/office/powerpoint/2010/main" xmlns:com="http://schemas.openxmlformats.org/drawingml/2006/compatibility" xmlns:pvml="urn:schemas-microsoft-com:office:powerpoint" xmlns:v="urn:schemas-microsoft-com:vml" xmlns:o="urn:schemas-microsoft-com:office:office" xmlns:dgm="http://schemas.openxmlformats.org/drawingml/2006/diagram" xmlns:c="http://schemas.openxmlformats.org/drawingml/2006/chart" xmlns:mv="urn:schemas-microsoft-com:mac:vml" xmlns:mc="http://schemas.openxmlformats.org/markup-compatibility/2006" xmlns="" r:id="rId25" roundtripDataSignature="AMtx7mg2fLzW2NWhC2ejww7VA5lENbgL/Q=="/>
+      <go:slidesCustomData xmlns="" xmlns:mc="http://schemas.openxmlformats.org/markup-compatibility/2006" xmlns:mv="urn:schemas-microsoft-com:mac:vml" xmlns:c="http://schemas.openxmlformats.org/drawingml/2006/chart" xmlns:dgm="http://schemas.openxmlformats.org/drawingml/2006/diagram" xmlns:o="urn:schemas-microsoft-com:office:office" xmlns:v="urn:schemas-microsoft-com:vml" xmlns:pvml="urn:schemas-microsoft-com:office:powerpoint" xmlns:com="http://schemas.openxmlformats.org/drawingml/2006/compatibility" xmlns:p14="http://schemas.microsoft.com/office/powerpoint/2010/main" xmlns:p15="http://schemas.microsoft.com/office/powerpoint/2012/main" xmlns:ahyp="http://schemas.microsoft.com/office/drawing/2018/hyperlinkcolor" xmlns:go="http://customooxmlschemas.google.com/" r:id="rId25" roundtripDataSignature="AMtx7mg2fLzW2NWhC2ejww7VA5lENbgL/Q=="/>
     </p:ext>
   </p:extLst>
 </p:presentation>
@@ -9328,8 +9328,8 @@
         </p:blipFill>
         <p:spPr bwMode="auto">
           <a:xfrm>
-            <a:off x="5888467" y="1634035"/>
-            <a:ext cx="5886392" cy="4154694"/>
+            <a:off x="8170089" y="1554184"/>
+            <a:ext cx="3869510" cy="3459775"/>
           </a:xfrm>
           <a:prstGeom prst="rect">
             <a:avLst/>
@@ -9344,8 +9344,8 @@
         </p:nvSpPr>
         <p:spPr>
           <a:xfrm>
-            <a:off x="6899564" y="6033941"/>
-            <a:ext cx="4498347" cy="400110"/>
+            <a:off x="9159782" y="5224181"/>
+            <a:ext cx="2533066" cy="707886"/>
           </a:xfrm>
           <a:prstGeom prst="rect">
             <a:avLst/>
@@ -9393,7 +9393,43 @@
                 <a:cs typeface="ALS Sector Regular" panose="02000000000000000000" pitchFamily="2" charset="0"/>
                 <a:sym typeface="Open Sans"/>
               </a:rPr>
-              <a:t>графики рассеяния точек</a:t>
+              <a:t>графики </a:t>
+            </a:r>
+            <a:endParaRPr lang="ru-RU" sz="2000" dirty="0" smtClean="0">
+              <a:solidFill>
+                <a:srgbClr val="262626"/>
+              </a:solidFill>
+              <a:latin typeface="ALS Sector Regular" panose="02000000000000000000" pitchFamily="2" charset="0"/>
+              <a:ea typeface="Open Sans"/>
+              <a:cs typeface="ALS Sector Regular" panose="02000000000000000000" pitchFamily="2" charset="0"/>
+              <a:sym typeface="Open Sans"/>
+            </a:endParaRPr>
+          </a:p>
+          <a:p>
+            <a:pPr algn="ctr"/>
+            <a:r>
+              <a:rPr lang="ru-RU" sz="2000" dirty="0" smtClean="0">
+                <a:solidFill>
+                  <a:srgbClr val="262626"/>
+                </a:solidFill>
+                <a:latin typeface="ALS Sector Regular" panose="02000000000000000000" pitchFamily="2" charset="0"/>
+                <a:ea typeface="Open Sans"/>
+                <a:cs typeface="ALS Sector Regular" panose="02000000000000000000" pitchFamily="2" charset="0"/>
+                <a:sym typeface="Open Sans"/>
+              </a:rPr>
+              <a:t>рассеяния </a:t>
+            </a:r>
+            <a:r>
+              <a:rPr lang="ru-RU" sz="2000" dirty="0">
+                <a:solidFill>
+                  <a:srgbClr val="262626"/>
+                </a:solidFill>
+                <a:latin typeface="ALS Sector Regular" panose="02000000000000000000" pitchFamily="2" charset="0"/>
+                <a:ea typeface="Open Sans"/>
+                <a:cs typeface="ALS Sector Regular" panose="02000000000000000000" pitchFamily="2" charset="0"/>
+                <a:sym typeface="Open Sans"/>
+              </a:rPr>
+              <a:t>точек</a:t>
             </a:r>
           </a:p>
         </p:txBody>
@@ -9420,7 +9456,7 @@
         <p:spPr>
           <a:xfrm>
             <a:off x="553723" y="1634035"/>
-            <a:ext cx="5334744" cy="4045988"/>
+            <a:ext cx="3789677" cy="3242004"/>
           </a:xfrm>
           <a:prstGeom prst="rect">
             <a:avLst/>
@@ -9435,7 +9471,7 @@
         </p:nvSpPr>
         <p:spPr>
           <a:xfrm>
-            <a:off x="1160617" y="6021472"/>
+            <a:off x="447415" y="5251794"/>
             <a:ext cx="3826689" cy="707886"/>
           </a:xfrm>
           <a:prstGeom prst="rect">
@@ -9850,6 +9886,98 @@
           </p:txBody>
         </p:sp>
       </p:grpSp>
+      <p:pic>
+        <p:nvPicPr>
+          <p:cNvPr id="3" name="Рисунок 2"/>
+          <p:cNvPicPr>
+            <a:picLocks noChangeAspect="1"/>
+          </p:cNvPicPr>
+          <p:nvPr/>
+        </p:nvPicPr>
+        <p:blipFill>
+          <a:blip r:embed="rId4">
+            <a:extLst>
+              <a:ext uri="{28A0092B-C50C-407E-A947-70E740481C1C}">
+                <a14:useLocalDpi xmlns:a14="http://schemas.microsoft.com/office/drawing/2010/main" val="0"/>
+              </a:ext>
+            </a:extLst>
+          </a:blip>
+          <a:stretch>
+            <a:fillRect/>
+          </a:stretch>
+        </p:blipFill>
+        <p:spPr>
+          <a:xfrm>
+            <a:off x="4343400" y="1634034"/>
+            <a:ext cx="4277409" cy="3379925"/>
+          </a:xfrm>
+          <a:prstGeom prst="rect">
+            <a:avLst/>
+          </a:prstGeom>
+        </p:spPr>
+      </p:pic>
+      <p:sp>
+        <p:nvSpPr>
+          <p:cNvPr id="13" name="TextBox 12"/>
+          <p:cNvSpPr txBox="1"/>
+          <p:nvPr/>
+        </p:nvSpPr>
+        <p:spPr>
+          <a:xfrm>
+            <a:off x="5451212" y="5251794"/>
+            <a:ext cx="2061783" cy="707886"/>
+          </a:xfrm>
+          <a:prstGeom prst="rect">
+            <a:avLst/>
+          </a:prstGeom>
+          <a:noFill/>
+        </p:spPr>
+        <p:txBody>
+          <a:bodyPr wrap="none" rtlCol="0">
+            <a:spAutoFit/>
+          </a:bodyPr>
+          <a:lstStyle/>
+          <a:p>
+            <a:pPr algn="ctr"/>
+            <a:r>
+              <a:rPr lang="ru-RU" sz="2000" dirty="0" smtClean="0">
+                <a:solidFill>
+                  <a:srgbClr val="262626"/>
+                </a:solidFill>
+                <a:latin typeface="ALS Sector Regular" panose="02000000000000000000" pitchFamily="2" charset="0"/>
+                <a:ea typeface="Open Sans"/>
+                <a:cs typeface="ALS Sector Regular" panose="02000000000000000000" pitchFamily="2" charset="0"/>
+                <a:sym typeface="Open Sans"/>
+              </a:rPr>
+              <a:t>Тепловая карта</a:t>
+            </a:r>
+          </a:p>
+          <a:p>
+            <a:pPr algn="ctr"/>
+            <a:r>
+              <a:rPr lang="ru-RU" sz="2000" dirty="0" smtClean="0">
+                <a:solidFill>
+                  <a:srgbClr val="262626"/>
+                </a:solidFill>
+                <a:latin typeface="ALS Sector Regular" panose="02000000000000000000" pitchFamily="2" charset="0"/>
+                <a:ea typeface="Open Sans"/>
+                <a:cs typeface="ALS Sector Regular" panose="02000000000000000000" pitchFamily="2" charset="0"/>
+                <a:sym typeface="Open Sans"/>
+              </a:rPr>
+              <a:t>корреляции</a:t>
+            </a:r>
+            <a:endParaRPr lang="ru-RU" sz="2000" dirty="0">
+              <a:solidFill>
+                <a:srgbClr val="262626"/>
+              </a:solidFill>
+              <a:latin typeface="ALS Sector Regular" panose="02000000000000000000" pitchFamily="2" charset="0"/>
+              <a:ea typeface="Open Sans"/>
+              <a:cs typeface="ALS Sector Regular" panose="02000000000000000000" pitchFamily="2" charset="0"/>
+              <a:sym typeface="Open Sans"/>
+            </a:endParaRPr>
+          </a:p>
+        </p:txBody>
+      </p:sp>
     </p:spTree>
     <p:extLst>
       <p:ext uri="{BB962C8B-B14F-4D97-AF65-F5344CB8AC3E}">
@@ -11296,14 +11424,6 @@
               </a:rPr>
               <a:t>Sequential</a:t>
             </a:r>
-            <a:endParaRPr lang="en-US" sz="2000" dirty="0">
-              <a:solidFill>
-                <a:srgbClr val="262626"/>
-              </a:solidFill>
-              <a:latin typeface="ALS Sector Regular" panose="02000000000000000000" pitchFamily="2" charset="0"/>
-              <a:ea typeface="Open Sans"/>
-              <a:cs typeface="ALS Sector Regular" panose="02000000000000000000" pitchFamily="2" charset="0"/>
-            </a:endParaRPr>
           </a:p>
           <a:p>
             <a:pPr marL="533400" indent="-457200" algn="just">
@@ -11354,8 +11474,8 @@
         </p:blipFill>
         <p:spPr>
           <a:xfrm>
-            <a:off x="6150449" y="3641719"/>
-            <a:ext cx="5889151" cy="3276600"/>
+            <a:off x="6034333" y="3641719"/>
+            <a:ext cx="5776668" cy="3276600"/>
           </a:xfrm>
           <a:prstGeom prst="rect">
             <a:avLst/>
@@ -12142,31 +12262,7 @@
                 <a:cs typeface="Open Sans"/>
                 <a:sym typeface="Open Sans"/>
               </a:rPr>
-              <a:t>Спасибо</a:t>
-            </a:r>
-            <a:r>
-              <a:rPr lang="ru-RU" sz="3600" b="1" dirty="0">
-                <a:solidFill>
-                  <a:schemeClr val="lt1"/>
-                </a:solidFill>
-                <a:latin typeface="+mj-lt"/>
-                <a:ea typeface="Open Sans"/>
-                <a:cs typeface="Open Sans"/>
-                <a:sym typeface="Open Sans"/>
-              </a:rPr>
-              <a:t> </a:t>
-            </a:r>
-            <a:r>
-              <a:rPr lang="ru-RU" sz="3600" b="1" dirty="0">
-                <a:solidFill>
-                  <a:schemeClr val="lt1"/>
-                </a:solidFill>
-                <a:latin typeface="+mj-lt"/>
-                <a:ea typeface="Open Sans"/>
-                <a:cs typeface="Open Sans"/>
-                <a:sym typeface="Open Sans"/>
-              </a:rPr>
-              <a:t>за внимание</a:t>
+              <a:t>Спасибо за внимание</a:t>
             </a:r>
             <a:r>
               <a:rPr lang="ru-RU" sz="3600" b="1" dirty="0">
